--- a/Predstavitev/Predstavitev_omreznina.pptx
+++ b/Predstavitev/Predstavitev_omreznina.pptx
@@ -2707,7 +2707,11 @@
               </a:spcAft>
               <a:buNone/>
             </a:pPr>
-            <a:endParaRPr/>
+            <a:r>
+              <a:rPr lang="sl-SI" dirty="0"/>
+              <a:t>računi, grafi, mojelektro</a:t>
+            </a:r>
+            <a:endParaRPr dirty="0"/>
           </a:p>
         </p:txBody>
       </p:sp>
